--- a/Team7.pptx
+++ b/Team7.pptx
@@ -213,7 +213,7 @@
           <a:p>
             <a:fld id="{770B0535-D64A-8D43-84E7-257EA11AD0B1}" type="datetimeFigureOut">
               <a:rPr lang="en-US" smtClean="0"/>
-              <a:t>5/4/20</a:t>
+              <a:t>5/5/20</a:t>
             </a:fld>
             <a:endParaRPr lang="en-US"/>
           </a:p>
@@ -609,20 +609,6 @@
           <a:bodyPr/>
           <a:lstStyle/>
           <a:p>
-            <a:r>
-              <a:rPr lang="en-US" sz="1200" b="1" i="0" u="none" strike="noStrike" kern="1200" dirty="0" smtClean="0">
-                <a:solidFill>
-                  <a:schemeClr val="tx1"/>
-                </a:solidFill>
-                <a:effectLst/>
-                <a:latin typeface="+mn-lt"/>
-                <a:ea typeface="+mn-ea"/>
-                <a:cs typeface="+mn-cs"/>
-              </a:rPr>
-              <a:t>Parameters</a:t>
-            </a:r>
-          </a:p>
-          <a:p>
             <a:pPr marL="171450" indent="-171450">
               <a:buFontTx/>
               <a:buChar char="-"/>
@@ -649,7 +635,7 @@
                 <a:ea typeface="+mn-ea"/>
                 <a:cs typeface="+mn-cs"/>
               </a:rPr>
-              <a:t> diagram: Only </a:t>
+              <a:t> </a:t>
             </a:r>
             <a:r>
               <a:rPr lang="en-US" sz="1200" b="0" i="0" u="none" strike="noStrike" kern="1200" baseline="0" dirty="0" smtClean="0">
@@ -661,7 +647,7 @@
                 <a:ea typeface="+mn-ea"/>
                 <a:cs typeface="+mn-cs"/>
               </a:rPr>
-              <a:t>showing 2 PCs for </a:t>
+              <a:t>diagram: Only showing 2 PCs for </a:t>
             </a:r>
             <a:r>
               <a:rPr lang="en-US" sz="1200" b="0" i="0" u="none" strike="noStrike" kern="1200" baseline="0" dirty="0" err="1" smtClean="0">
@@ -685,19 +671,7 @@
                 <a:ea typeface="+mn-ea"/>
                 <a:cs typeface="+mn-cs"/>
               </a:rPr>
-              <a:t> purposes </a:t>
-            </a:r>
-            <a:r>
-              <a:rPr lang="en-US" sz="1200" b="0" i="0" u="none" strike="noStrike" kern="1200" baseline="0" dirty="0" smtClean="0">
-                <a:solidFill>
-                  <a:schemeClr val="tx1"/>
-                </a:solidFill>
-                <a:effectLst/>
-                <a:latin typeface="+mn-lt"/>
-                <a:ea typeface="+mn-ea"/>
-                <a:cs typeface="+mn-cs"/>
-              </a:rPr>
-              <a:t>– showing decision boundaries for each class</a:t>
+              <a:t> purposes – showing decision boundaries for each class</a:t>
             </a:r>
           </a:p>
           <a:p>
@@ -920,11 +894,7 @@
             </a:pPr>
             <a:r>
               <a:rPr lang="en-US" baseline="0" dirty="0" smtClean="0"/>
-              <a:t>SVC: handles outliers better as it derives maximum margin </a:t>
-            </a:r>
-            <a:r>
-              <a:rPr lang="en-US" baseline="0" dirty="0" smtClean="0"/>
-              <a:t>solution</a:t>
+              <a:t>SVC: handles outliers better as it derives maximum margin solution</a:t>
             </a:r>
           </a:p>
           <a:p>
@@ -1551,19 +1521,13 @@
             </a:pPr>
             <a:r>
               <a:rPr lang="en-US" dirty="0" smtClean="0"/>
-              <a:t>The simplest model for classification</a:t>
-            </a:r>
-          </a:p>
-          <a:p>
-            <a:pPr marL="171450" indent="-171450">
-              <a:buFont typeface="Arial" charset="0"/>
-              <a:buChar char="•"/>
-            </a:pPr>
+              <a:t>The simplest model for </a:t>
+            </a:r>
             <a:r>
               <a:rPr lang="en-US" dirty="0" smtClean="0"/>
-              <a:t>Doesn’t precision of 100% mean overfitting?</a:t>
-            </a:r>
-            <a:endParaRPr lang="en-US" dirty="0"/>
+              <a:t>classification</a:t>
+            </a:r>
+            <a:endParaRPr lang="en-US" dirty="0" smtClean="0"/>
           </a:p>
         </p:txBody>
       </p:sp>
@@ -1942,8 +1906,14 @@
                 <a:ea typeface="+mn-ea"/>
                 <a:cs typeface="+mn-cs"/>
               </a:rPr>
-              <a:t>) – generally an odd number if the number of classes is 2 </a:t>
-            </a:r>
+              <a:t>) – generally an odd number if the number of classes is 2 to prevent tie situations</a:t>
+            </a:r>
+          </a:p>
+          <a:p>
+            <a:pPr marL="228600" indent="-228600">
+              <a:buFont typeface="Arial" charset="0"/>
+              <a:buAutoNum type="arabicParenR"/>
+            </a:pPr>
             <a:r>
               <a:rPr lang="en-US" sz="1200" b="0" i="0" u="none" strike="noStrike" kern="1200" baseline="0" dirty="0" smtClean="0">
                 <a:solidFill>
@@ -1954,17 +1924,8 @@
                 <a:ea typeface="+mn-ea"/>
                 <a:cs typeface="+mn-cs"/>
               </a:rPr>
-              <a:t>to prevent tie situations</a:t>
-            </a:r>
-            <a:endParaRPr lang="en-US" sz="1200" b="0" i="0" u="none" strike="noStrike" kern="1200" baseline="0" dirty="0" smtClean="0">
-              <a:solidFill>
-                <a:schemeClr val="tx1"/>
-              </a:solidFill>
-              <a:effectLst/>
-              <a:latin typeface="+mn-lt"/>
-              <a:ea typeface="+mn-ea"/>
-              <a:cs typeface="+mn-cs"/>
-            </a:endParaRPr>
+              <a:t>Compute distance between each data point &amp; the test data &amp; find closest k-points in the training set</a:t>
+            </a:r>
           </a:p>
           <a:p>
             <a:pPr marL="228600" indent="-228600">
@@ -1981,70 +1942,7 @@
                 <a:ea typeface="+mn-ea"/>
                 <a:cs typeface="+mn-cs"/>
               </a:rPr>
-              <a:t>Compute distance between each data point &amp; the test data &amp; find closest </a:t>
-            </a:r>
-            <a:r>
-              <a:rPr lang="en-US" sz="1200" b="0" i="0" u="none" strike="noStrike" kern="1200" baseline="0" dirty="0" smtClean="0">
-                <a:solidFill>
-                  <a:schemeClr val="tx1"/>
-                </a:solidFill>
-                <a:effectLst/>
-                <a:latin typeface="+mn-lt"/>
-                <a:ea typeface="+mn-ea"/>
-                <a:cs typeface="+mn-cs"/>
-              </a:rPr>
-              <a:t>k-points in the training set</a:t>
-            </a:r>
-            <a:endParaRPr lang="en-US" sz="1200" b="0" i="0" u="none" strike="noStrike" kern="1200" baseline="0" dirty="0" smtClean="0">
-              <a:solidFill>
-                <a:schemeClr val="tx1"/>
-              </a:solidFill>
-              <a:effectLst/>
-              <a:latin typeface="+mn-lt"/>
-              <a:ea typeface="+mn-ea"/>
-              <a:cs typeface="+mn-cs"/>
-            </a:endParaRPr>
-          </a:p>
-          <a:p>
-            <a:pPr marL="228600" indent="-228600">
-              <a:buFont typeface="Arial" charset="0"/>
-              <a:buAutoNum type="arabicParenR"/>
-            </a:pPr>
-            <a:r>
-              <a:rPr lang="en-US" sz="1200" b="0" i="0" u="none" strike="noStrike" kern="1200" baseline="0" dirty="0" smtClean="0">
-                <a:solidFill>
-                  <a:schemeClr val="tx1"/>
-                </a:solidFill>
-                <a:effectLst/>
-                <a:latin typeface="+mn-lt"/>
-                <a:ea typeface="+mn-ea"/>
-                <a:cs typeface="+mn-cs"/>
-              </a:rPr>
-              <a:t>The test data then assigned to the class most </a:t>
-            </a:r>
-            <a:r>
-              <a:rPr lang="en-US" sz="1200" b="0" i="0" u="none" strike="noStrike" kern="1200" baseline="0" dirty="0" smtClean="0">
-                <a:solidFill>
-                  <a:schemeClr val="tx1"/>
-                </a:solidFill>
-                <a:effectLst/>
-                <a:latin typeface="+mn-lt"/>
-                <a:ea typeface="+mn-ea"/>
-                <a:cs typeface="+mn-cs"/>
-              </a:rPr>
-              <a:t>common </a:t>
-            </a:r>
-            <a:r>
-              <a:rPr lang="en-US" sz="1200" b="0" i="0" u="none" strike="noStrike" kern="1200" baseline="0" dirty="0" smtClean="0">
-                <a:solidFill>
-                  <a:schemeClr val="tx1"/>
-                </a:solidFill>
-                <a:effectLst/>
-                <a:latin typeface="+mn-lt"/>
-                <a:ea typeface="+mn-ea"/>
-                <a:cs typeface="+mn-cs"/>
-              </a:rPr>
-              <a:t>among its k-nearest </a:t>
+              <a:t>The test data then assigned to the class most common among its k-nearest </a:t>
             </a:r>
             <a:r>
               <a:rPr lang="en-US" sz="1200" b="0" i="0" u="none" strike="noStrike" kern="1200" baseline="0" dirty="0" err="1" smtClean="0">
@@ -2101,19 +1999,7 @@
                 <a:ea typeface="+mn-ea"/>
                 <a:cs typeface="+mn-cs"/>
               </a:rPr>
-              <a:t>Lazy/instance-based: </a:t>
-            </a:r>
-            <a:r>
-              <a:rPr lang="en-US" sz="1200" b="0" i="0" u="none" strike="noStrike" kern="1200" baseline="0" dirty="0" smtClean="0">
-                <a:solidFill>
-                  <a:schemeClr val="tx1"/>
-                </a:solidFill>
-                <a:effectLst/>
-                <a:latin typeface="+mn-lt"/>
-                <a:ea typeface="+mn-ea"/>
-                <a:cs typeface="+mn-cs"/>
-              </a:rPr>
-              <a:t>makes no </a:t>
+              <a:t>Lazy/instance-based: makes no </a:t>
             </a:r>
             <a:r>
               <a:rPr lang="en-US" sz="1200" b="0" i="0" u="none" strike="noStrike" kern="1200" baseline="0" dirty="0" err="1" smtClean="0">
@@ -2137,29 +2023,8 @@
                 <a:ea typeface="+mn-ea"/>
                 <a:cs typeface="+mn-cs"/>
               </a:rPr>
-              <a:t> – no explicit/minimal </a:t>
-            </a:r>
-            <a:r>
-              <a:rPr lang="en-US" sz="1200" b="0" i="0" u="none" strike="noStrike" kern="1200" baseline="0" dirty="0" smtClean="0">
-                <a:solidFill>
-                  <a:schemeClr val="tx1"/>
-                </a:solidFill>
-                <a:effectLst/>
-                <a:latin typeface="+mn-lt"/>
-                <a:ea typeface="+mn-ea"/>
-                <a:cs typeface="+mn-cs"/>
-              </a:rPr>
-              <a:t>training = doesn’t explicitly learn a model &amp; only uses the training instances when a query is made</a:t>
-            </a:r>
-            <a:endParaRPr lang="en-US" sz="1200" b="0" i="0" u="none" strike="noStrike" kern="1200" baseline="0" dirty="0" smtClean="0">
-              <a:solidFill>
-                <a:schemeClr val="tx1"/>
-              </a:solidFill>
-              <a:effectLst/>
-              <a:latin typeface="+mn-lt"/>
-              <a:ea typeface="+mn-ea"/>
-              <a:cs typeface="+mn-cs"/>
-            </a:endParaRPr>
+              <a:t> – no explicit/minimal training = doesn’t explicitly learn a model &amp; only uses the training instances when a query is made</a:t>
+            </a:r>
           </a:p>
           <a:p>
             <a:pPr marL="171450" indent="-171450">
@@ -2248,29 +2113,8 @@
                 <a:ea typeface="+mn-ea"/>
                 <a:cs typeface="+mn-cs"/>
               </a:rPr>
-              <a:t>Computationally expensive (the testing phase not the training phase</a:t>
-            </a:r>
-            <a:r>
-              <a:rPr lang="en-US" sz="1200" b="0" i="0" u="none" strike="noStrike" kern="1200" baseline="0" dirty="0" smtClean="0">
-                <a:solidFill>
-                  <a:schemeClr val="tx1"/>
-                </a:solidFill>
-                <a:effectLst/>
-                <a:latin typeface="+mn-lt"/>
-                <a:ea typeface="+mn-ea"/>
-                <a:cs typeface="+mn-cs"/>
-              </a:rPr>
-              <a:t>) + high memory cost (as it needs to store a potentially huge data set)</a:t>
-            </a:r>
-            <a:endParaRPr lang="en-US" sz="1200" b="0" i="0" u="none" strike="noStrike" kern="1200" baseline="0" dirty="0" smtClean="0">
-              <a:solidFill>
-                <a:schemeClr val="tx1"/>
-              </a:solidFill>
-              <a:effectLst/>
-              <a:latin typeface="+mn-lt"/>
-              <a:ea typeface="+mn-ea"/>
-              <a:cs typeface="+mn-cs"/>
-            </a:endParaRPr>
+              <a:t>Computationally expensive (the testing phase not the training phase) + high memory cost (as it needs to store a potentially huge data set)</a:t>
+            </a:r>
           </a:p>
           <a:p>
             <a:pPr marL="628650" lvl="1" indent="-171450">
@@ -2453,15 +2297,7 @@
             </a:r>
             <a:r>
               <a:rPr lang="en-US" dirty="0" smtClean="0"/>
-              <a:t> </a:t>
-            </a:r>
-            <a:r>
-              <a:rPr lang="en-US" dirty="0" smtClean="0"/>
-              <a:t>: </a:t>
-            </a:r>
-            <a:r>
-              <a:rPr lang="en-US" dirty="0" smtClean="0"/>
-              <a:t>11</a:t>
+              <a:t> : 11</a:t>
             </a:r>
           </a:p>
           <a:p>
@@ -2475,19 +2311,7 @@
                 <a:ea typeface="+mn-ea"/>
                 <a:cs typeface="+mn-cs"/>
               </a:rPr>
-              <a:t>-</a:t>
-            </a:r>
-            <a:r>
-              <a:rPr lang="en-US" sz="1200" b="0" i="0" u="none" strike="noStrike" kern="1200" dirty="0" smtClean="0">
-                <a:solidFill>
-                  <a:schemeClr val="tx1"/>
-                </a:solidFill>
-                <a:effectLst/>
-                <a:latin typeface="+mn-lt"/>
-                <a:ea typeface="+mn-ea"/>
-                <a:cs typeface="+mn-cs"/>
-              </a:rPr>
-              <a:t> </a:t>
+              <a:t>- </a:t>
             </a:r>
             <a:r>
               <a:rPr lang="en-US" dirty="0" smtClean="0"/>
@@ -2599,29 +2423,8 @@
                 <a:ea typeface="+mn-ea"/>
                 <a:cs typeface="+mn-cs"/>
               </a:rPr>
-              <a:t>’ (closer points be more heavily weighted toward the </a:t>
-            </a:r>
-            <a:r>
-              <a:rPr lang="en-US" sz="1200" b="0" i="0" u="none" strike="noStrike" kern="1200" dirty="0" smtClean="0">
-                <a:solidFill>
-                  <a:schemeClr val="tx1"/>
-                </a:solidFill>
-                <a:effectLst/>
-                <a:latin typeface="+mn-lt"/>
-                <a:ea typeface="+mn-ea"/>
-                <a:cs typeface="+mn-cs"/>
-              </a:rPr>
-              <a:t>decision – can deal with skewed class distributions) </a:t>
-            </a:r>
-            <a:endParaRPr lang="en-US" sz="1200" b="0" i="0" u="none" strike="noStrike" kern="1200" dirty="0" smtClean="0">
-              <a:solidFill>
-                <a:schemeClr val="tx1"/>
-              </a:solidFill>
-              <a:effectLst/>
-              <a:latin typeface="+mn-lt"/>
-              <a:ea typeface="+mn-ea"/>
-              <a:cs typeface="+mn-cs"/>
-            </a:endParaRPr>
+              <a:t>’ (closer points be more heavily weighted toward the decision – can deal with skewed class distributions) </a:t>
+            </a:r>
           </a:p>
           <a:p>
             <a:r>
@@ -3001,7 +2804,7 @@
           <a:p>
             <a:fld id="{F8A77A53-26A5-A944-A5F2-3B0E7B7A86F5}" type="datetimeFigureOut">
               <a:rPr lang="en-US" smtClean="0"/>
-              <a:t>5/4/20</a:t>
+              <a:t>5/5/20</a:t>
             </a:fld>
             <a:endParaRPr lang="en-US"/>
           </a:p>
@@ -3171,7 +2974,7 @@
           <a:p>
             <a:fld id="{F8A77A53-26A5-A944-A5F2-3B0E7B7A86F5}" type="datetimeFigureOut">
               <a:rPr lang="en-US" smtClean="0"/>
-              <a:t>5/4/20</a:t>
+              <a:t>5/5/20</a:t>
             </a:fld>
             <a:endParaRPr lang="en-US"/>
           </a:p>
@@ -3351,7 +3154,7 @@
           <a:p>
             <a:fld id="{F8A77A53-26A5-A944-A5F2-3B0E7B7A86F5}" type="datetimeFigureOut">
               <a:rPr lang="en-US" smtClean="0"/>
-              <a:t>5/4/20</a:t>
+              <a:t>5/5/20</a:t>
             </a:fld>
             <a:endParaRPr lang="en-US"/>
           </a:p>
@@ -3521,7 +3324,7 @@
           <a:p>
             <a:fld id="{F8A77A53-26A5-A944-A5F2-3B0E7B7A86F5}" type="datetimeFigureOut">
               <a:rPr lang="en-US" smtClean="0"/>
-              <a:t>5/4/20</a:t>
+              <a:t>5/5/20</a:t>
             </a:fld>
             <a:endParaRPr lang="en-US"/>
           </a:p>
@@ -3767,7 +3570,7 @@
           <a:p>
             <a:fld id="{F8A77A53-26A5-A944-A5F2-3B0E7B7A86F5}" type="datetimeFigureOut">
               <a:rPr lang="en-US" smtClean="0"/>
-              <a:t>5/4/20</a:t>
+              <a:t>5/5/20</a:t>
             </a:fld>
             <a:endParaRPr lang="en-US"/>
           </a:p>
@@ -3999,7 +3802,7 @@
           <a:p>
             <a:fld id="{F8A77A53-26A5-A944-A5F2-3B0E7B7A86F5}" type="datetimeFigureOut">
               <a:rPr lang="en-US" smtClean="0"/>
-              <a:t>5/4/20</a:t>
+              <a:t>5/5/20</a:t>
             </a:fld>
             <a:endParaRPr lang="en-US"/>
           </a:p>
@@ -4366,7 +4169,7 @@
           <a:p>
             <a:fld id="{F8A77A53-26A5-A944-A5F2-3B0E7B7A86F5}" type="datetimeFigureOut">
               <a:rPr lang="en-US" smtClean="0"/>
-              <a:t>5/4/20</a:t>
+              <a:t>5/5/20</a:t>
             </a:fld>
             <a:endParaRPr lang="en-US"/>
           </a:p>
@@ -4484,7 +4287,7 @@
           <a:p>
             <a:fld id="{F8A77A53-26A5-A944-A5F2-3B0E7B7A86F5}" type="datetimeFigureOut">
               <a:rPr lang="en-US" smtClean="0"/>
-              <a:t>5/4/20</a:t>
+              <a:t>5/5/20</a:t>
             </a:fld>
             <a:endParaRPr lang="en-US"/>
           </a:p>
@@ -4579,7 +4382,7 @@
           <a:p>
             <a:fld id="{F8A77A53-26A5-A944-A5F2-3B0E7B7A86F5}" type="datetimeFigureOut">
               <a:rPr lang="en-US" smtClean="0"/>
-              <a:t>5/4/20</a:t>
+              <a:t>5/5/20</a:t>
             </a:fld>
             <a:endParaRPr lang="en-US"/>
           </a:p>
@@ -4856,7 +4659,7 @@
           <a:p>
             <a:fld id="{F8A77A53-26A5-A944-A5F2-3B0E7B7A86F5}" type="datetimeFigureOut">
               <a:rPr lang="en-US" smtClean="0"/>
-              <a:t>5/4/20</a:t>
+              <a:t>5/5/20</a:t>
             </a:fld>
             <a:endParaRPr lang="en-US"/>
           </a:p>
@@ -5109,7 +4912,7 @@
           <a:p>
             <a:fld id="{F8A77A53-26A5-A944-A5F2-3B0E7B7A86F5}" type="datetimeFigureOut">
               <a:rPr lang="en-US" smtClean="0"/>
-              <a:t>5/4/20</a:t>
+              <a:t>5/5/20</a:t>
             </a:fld>
             <a:endParaRPr lang="en-US"/>
           </a:p>
@@ -5322,7 +5125,7 @@
           <a:p>
             <a:fld id="{F8A77A53-26A5-A944-A5F2-3B0E7B7A86F5}" type="datetimeFigureOut">
               <a:rPr lang="en-US" smtClean="0"/>
-              <a:t>5/4/20</a:t>
+              <a:t>5/5/20</a:t>
             </a:fld>
             <a:endParaRPr lang="en-US"/>
           </a:p>
@@ -6259,7 +6062,7 @@
         </p:spPr>
         <p:txBody>
           <a:bodyPr vert="horz" lIns="91440" tIns="45720" rIns="91440" bIns="45720" rtlCol="0">
-            <a:normAutofit/>
+            <a:normAutofit fontScale="92500" lnSpcReduction="10000"/>
           </a:bodyPr>
           <a:lstStyle>
             <a:lvl1pPr marL="228600" indent="-228600" algn="l" defTabSz="914400" rtl="0" eaLnBrk="1" latinLnBrk="0" hangingPunct="1">
@@ -6454,8 +6257,29 @@
             </a:pPr>
             <a:r>
               <a:rPr lang="en-US" sz="2400" dirty="0" smtClean="0"/>
-              <a:t>Precision: 100%</a:t>
-            </a:r>
+              <a:t>Precision: 100</a:t>
+            </a:r>
+            <a:r>
+              <a:rPr lang="en-US" sz="2400" dirty="0" smtClean="0"/>
+              <a:t>%</a:t>
+            </a:r>
+          </a:p>
+          <a:p>
+            <a:pPr marL="0" indent="0">
+              <a:lnSpc>
+                <a:spcPct val="100000"/>
+              </a:lnSpc>
+              <a:spcBef>
+                <a:spcPts val="0"/>
+              </a:spcBef>
+              <a:buFontTx/>
+              <a:buNone/>
+            </a:pPr>
+            <a:r>
+              <a:rPr lang="en-US" sz="2400" dirty="0" smtClean="0"/>
+              <a:t>Recall: 93.0 %</a:t>
+            </a:r>
+            <a:endParaRPr lang="en-US" sz="2400" dirty="0" smtClean="0"/>
           </a:p>
           <a:p>
             <a:pPr marL="0" indent="0">
@@ -7240,7 +7064,7 @@
         </p:spPr>
         <p:txBody>
           <a:bodyPr vert="horz" lIns="91440" tIns="45720" rIns="91440" bIns="45720" rtlCol="0">
-            <a:normAutofit/>
+            <a:normAutofit fontScale="92500" lnSpcReduction="10000"/>
           </a:bodyPr>
           <a:lstStyle>
             <a:lvl1pPr marL="228600" indent="-228600" algn="l" defTabSz="914400" rtl="0" eaLnBrk="1" latinLnBrk="0" hangingPunct="1">
@@ -7435,8 +7259,29 @@
             </a:pPr>
             <a:r>
               <a:rPr lang="en-US" sz="2400" dirty="0" smtClean="0"/>
-              <a:t>Precision: 100%</a:t>
-            </a:r>
+              <a:t>Precision: 100</a:t>
+            </a:r>
+            <a:r>
+              <a:rPr lang="en-US" sz="2400" dirty="0" smtClean="0"/>
+              <a:t>%</a:t>
+            </a:r>
+          </a:p>
+          <a:p>
+            <a:pPr marL="0" indent="0">
+              <a:lnSpc>
+                <a:spcPct val="100000"/>
+              </a:lnSpc>
+              <a:spcBef>
+                <a:spcPts val="0"/>
+              </a:spcBef>
+              <a:buFontTx/>
+              <a:buNone/>
+            </a:pPr>
+            <a:r>
+              <a:rPr lang="en-US" sz="2400" dirty="0" smtClean="0"/>
+              <a:t>Recall: 90.1%</a:t>
+            </a:r>
+            <a:endParaRPr lang="en-US" sz="2400" dirty="0" smtClean="0"/>
           </a:p>
           <a:p>
             <a:pPr marL="0" indent="0">
@@ -7524,14 +7369,14 @@
           <p:nvPr>
             <p:extLst>
               <p:ext uri="{D42A27DB-BD31-4B8C-83A1-F6EECF244321}">
-                <p14:modId xmlns:p14="http://schemas.microsoft.com/office/powerpoint/2010/main" val="1019483507"/>
+                <p14:modId xmlns:p14="http://schemas.microsoft.com/office/powerpoint/2010/main" val="1646227100"/>
               </p:ext>
             </p:extLst>
           </p:nvPr>
         </p:nvGraphicFramePr>
         <p:xfrm>
-          <a:off x="486846" y="1841663"/>
-          <a:ext cx="5026024" cy="2826808"/>
+          <a:off x="2" y="1914027"/>
+          <a:ext cx="5640941" cy="2895600"/>
         </p:xfrm>
         <a:graphic>
           <a:graphicData uri="http://schemas.openxmlformats.org/drawingml/2006/table">
@@ -7540,10 +7385,11 @@
                 <a:tableStyleId>{5940675A-B579-460E-94D1-54222C63F5DA}</a:tableStyleId>
               </a:tblPr>
               <a:tblGrid>
-                <a:gridCol w="1256506"/>
-                <a:gridCol w="1256506"/>
-                <a:gridCol w="1256506"/>
-                <a:gridCol w="1256506"/>
+                <a:gridCol w="1128188"/>
+                <a:gridCol w="1128188"/>
+                <a:gridCol w="1128188"/>
+                <a:gridCol w="1295419"/>
+                <a:gridCol w="960958"/>
               </a:tblGrid>
               <a:tr h="453284">
                 <a:tc>
@@ -7553,10 +7399,10 @@
                     <a:p>
                       <a:pPr algn="ctr"/>
                       <a:r>
-                        <a:rPr lang="en-US" b="1" dirty="0" smtClean="0"/>
+                        <a:rPr lang="en-US" sz="1600" b="1" dirty="0" smtClean="0"/>
                         <a:t>Model</a:t>
                       </a:r>
-                      <a:endParaRPr lang="en-US" b="1" dirty="0"/>
+                      <a:endParaRPr lang="en-US" sz="1600" b="1" dirty="0"/>
                     </a:p>
                   </a:txBody>
                   <a:tcPr anchor="ctr"/>
@@ -7568,10 +7414,10 @@
                     <a:p>
                       <a:pPr algn="ctr"/>
                       <a:r>
-                        <a:rPr lang="en-US" b="1" dirty="0" smtClean="0"/>
+                        <a:rPr lang="en-US" sz="1600" b="1" dirty="0" smtClean="0"/>
                         <a:t>Accuracy (%)</a:t>
                       </a:r>
-                      <a:endParaRPr lang="en-US" b="1" dirty="0"/>
+                      <a:endParaRPr lang="en-US" sz="1600" b="1" dirty="0"/>
                     </a:p>
                   </a:txBody>
                   <a:tcPr anchor="ctr"/>
@@ -7583,10 +7429,10 @@
                     <a:p>
                       <a:pPr algn="ctr"/>
                       <a:r>
-                        <a:rPr lang="en-US" b="1" dirty="0" smtClean="0"/>
+                        <a:rPr lang="en-US" sz="1600" b="1" dirty="0" smtClean="0"/>
                         <a:t>Precision (%)</a:t>
                       </a:r>
-                      <a:endParaRPr lang="en-US" b="1" dirty="0"/>
+                      <a:endParaRPr lang="en-US" sz="1600" b="1" dirty="0"/>
                     </a:p>
                   </a:txBody>
                   <a:tcPr anchor="ctr"/>
@@ -7598,10 +7444,33 @@
                     <a:p>
                       <a:pPr algn="ctr"/>
                       <a:r>
-                        <a:rPr lang="en-US" b="1" dirty="0" smtClean="0"/>
+                        <a:rPr lang="en-US" sz="1600" b="1" dirty="0" smtClean="0">
+                          <a:solidFill>
+                            <a:srgbClr val="C00000"/>
+                          </a:solidFill>
+                        </a:rPr>
+                        <a:t>Recall (%)</a:t>
+                      </a:r>
+                      <a:endParaRPr lang="en-US" sz="1600" b="1" dirty="0">
+                        <a:solidFill>
+                          <a:srgbClr val="C00000"/>
+                        </a:solidFill>
+                      </a:endParaRPr>
+                    </a:p>
+                  </a:txBody>
+                  <a:tcPr anchor="ctr"/>
+                </a:tc>
+                <a:tc>
+                  <a:txBody>
+                    <a:bodyPr/>
+                    <a:lstStyle/>
+                    <a:p>
+                      <a:pPr algn="ctr"/>
+                      <a:r>
+                        <a:rPr lang="en-US" sz="1600" b="1" dirty="0" smtClean="0"/>
                         <a:t>AUC</a:t>
                       </a:r>
-                      <a:endParaRPr lang="en-US" b="1" dirty="0"/>
+                      <a:endParaRPr lang="en-US" sz="1600" b="1" dirty="0"/>
                     </a:p>
                   </a:txBody>
                   <a:tcPr anchor="ctr"/>
@@ -7615,10 +7484,10 @@
                     <a:p>
                       <a:pPr algn="ctr"/>
                       <a:r>
-                        <a:rPr lang="en-US" b="1" dirty="0" smtClean="0"/>
+                        <a:rPr lang="en-US" sz="1600" b="1" dirty="0" smtClean="0"/>
                         <a:t>Logistic Regression</a:t>
                       </a:r>
-                      <a:endParaRPr lang="en-US" b="1" dirty="0"/>
+                      <a:endParaRPr lang="en-US" sz="1600" b="1" dirty="0"/>
                     </a:p>
                   </a:txBody>
                   <a:tcPr anchor="ctr"/>
@@ -7630,10 +7499,10 @@
                     <a:p>
                       <a:pPr algn="ctr"/>
                       <a:r>
-                        <a:rPr lang="en-US" dirty="0" smtClean="0"/>
+                        <a:rPr lang="en-US" sz="1600" dirty="0" smtClean="0"/>
                         <a:t>98.2</a:t>
                       </a:r>
-                      <a:endParaRPr lang="en-US" dirty="0"/>
+                      <a:endParaRPr lang="en-US" sz="1600" dirty="0"/>
                     </a:p>
                   </a:txBody>
                   <a:tcPr anchor="ctr"/>
@@ -7645,10 +7514,10 @@
                     <a:p>
                       <a:pPr algn="ctr"/>
                       <a:r>
-                        <a:rPr lang="en-US" dirty="0" smtClean="0"/>
+                        <a:rPr lang="en-US" sz="1600" dirty="0" smtClean="0"/>
                         <a:t>100</a:t>
                       </a:r>
-                      <a:endParaRPr lang="en-US" dirty="0"/>
+                      <a:endParaRPr lang="en-US" sz="1600" dirty="0"/>
                     </a:p>
                   </a:txBody>
                   <a:tcPr anchor="ctr"/>
@@ -7660,10 +7529,25 @@
                     <a:p>
                       <a:pPr algn="ctr"/>
                       <a:r>
-                        <a:rPr lang="en-US" dirty="0" smtClean="0"/>
+                        <a:rPr lang="en-US" sz="1600" dirty="0" smtClean="0"/>
+                        <a:t>95.3</a:t>
+                      </a:r>
+                      <a:endParaRPr lang="en-US" sz="1600" dirty="0"/>
+                    </a:p>
+                  </a:txBody>
+                  <a:tcPr anchor="ctr"/>
+                </a:tc>
+                <a:tc>
+                  <a:txBody>
+                    <a:bodyPr/>
+                    <a:lstStyle/>
+                    <a:p>
+                      <a:pPr algn="ctr"/>
+                      <a:r>
+                        <a:rPr lang="en-US" sz="1600" dirty="0" smtClean="0"/>
                         <a:t>0.99</a:t>
                       </a:r>
-                      <a:endParaRPr lang="en-US" dirty="0"/>
+                      <a:endParaRPr lang="en-US" sz="1600" dirty="0"/>
                     </a:p>
                   </a:txBody>
                   <a:tcPr anchor="ctr"/>
@@ -7677,10 +7561,10 @@
                     <a:p>
                       <a:pPr algn="ctr"/>
                       <a:r>
-                        <a:rPr lang="en-US" b="1" dirty="0" smtClean="0"/>
+                        <a:rPr lang="en-US" sz="1600" b="1" dirty="0" smtClean="0"/>
                         <a:t>Random Forest</a:t>
                       </a:r>
-                      <a:endParaRPr lang="en-US" b="1" dirty="0"/>
+                      <a:endParaRPr lang="en-US" sz="1600" b="1" dirty="0"/>
                     </a:p>
                   </a:txBody>
                   <a:tcPr anchor="ctr"/>
@@ -7692,11 +7576,11 @@
                     <a:p>
                       <a:pPr algn="ctr"/>
                       <a:r>
-                        <a:rPr lang="en-US" dirty="0" smtClean="0"/>
+                        <a:rPr lang="en-US" sz="1600" dirty="0" smtClean="0"/>
                         <a:t>94.7/</a:t>
                       </a:r>
                       <a:r>
-                        <a:rPr lang="en-US" dirty="0" smtClean="0">
+                        <a:rPr lang="en-US" sz="1600" dirty="0" smtClean="0">
                           <a:solidFill>
                             <a:schemeClr val="bg1">
                               <a:lumMod val="65000"/>
@@ -7705,7 +7589,7 @@
                         </a:rPr>
                         <a:t>93.9</a:t>
                       </a:r>
-                      <a:endParaRPr lang="en-US" dirty="0">
+                      <a:endParaRPr lang="en-US" sz="1600" dirty="0">
                         <a:solidFill>
                           <a:schemeClr val="bg1">
                             <a:lumMod val="65000"/>
@@ -7723,11 +7607,11 @@
                     <a:p>
                       <a:pPr algn="ctr"/>
                       <a:r>
-                        <a:rPr lang="en-US" dirty="0" smtClean="0"/>
+                        <a:rPr lang="en-US" sz="1600" dirty="0" smtClean="0"/>
                         <a:t>95.1/</a:t>
                       </a:r>
                       <a:r>
-                        <a:rPr lang="en-US" dirty="0" smtClean="0">
+                        <a:rPr lang="en-US" sz="1600" dirty="0" smtClean="0">
                           <a:solidFill>
                             <a:schemeClr val="bg1">
                               <a:lumMod val="65000"/>
@@ -7736,7 +7620,7 @@
                         </a:rPr>
                         <a:t>94.6</a:t>
                       </a:r>
-                      <a:endParaRPr lang="en-US" dirty="0">
+                      <a:endParaRPr lang="en-US" sz="1600" dirty="0">
                         <a:solidFill>
                           <a:schemeClr val="bg1">
                             <a:lumMod val="65000"/>
@@ -7754,11 +7638,49 @@
                     <a:p>
                       <a:pPr algn="ctr"/>
                       <a:r>
-                        <a:rPr lang="en-US" dirty="0" smtClean="0"/>
+                        <a:rPr lang="en-US" sz="1600" dirty="0" smtClean="0">
+                          <a:solidFill>
+                            <a:schemeClr val="tx1">
+                              <a:lumMod val="95000"/>
+                              <a:lumOff val="5000"/>
+                            </a:schemeClr>
+                          </a:solidFill>
+                        </a:rPr>
+                        <a:t>90.7/</a:t>
+                      </a:r>
+                      <a:r>
+                        <a:rPr lang="en-US" sz="1600" dirty="0" smtClean="0">
+                          <a:solidFill>
+                            <a:schemeClr val="bg1">
+                              <a:lumMod val="50000"/>
+                            </a:schemeClr>
+                          </a:solidFill>
+                        </a:rPr>
+                        <a:t>87.5</a:t>
+                      </a:r>
+                      <a:endParaRPr lang="en-US" sz="1600" dirty="0">
+                        <a:solidFill>
+                          <a:schemeClr val="bg1">
+                            <a:lumMod val="50000"/>
+                          </a:schemeClr>
+                        </a:solidFill>
+                      </a:endParaRPr>
+                    </a:p>
+                  </a:txBody>
+                  <a:tcPr anchor="ctr"/>
+                </a:tc>
+                <a:tc>
+                  <a:txBody>
+                    <a:bodyPr/>
+                    <a:lstStyle/>
+                    <a:p>
+                      <a:pPr algn="ctr"/>
+                      <a:r>
+                        <a:rPr lang="en-US" sz="1600" dirty="0" smtClean="0"/>
                         <a:t>0.98/</a:t>
                       </a:r>
                       <a:r>
-                        <a:rPr lang="en-US" dirty="0" smtClean="0">
+                        <a:rPr lang="en-US" sz="1600" dirty="0" smtClean="0">
                           <a:solidFill>
                             <a:schemeClr val="bg1">
                               <a:lumMod val="65000"/>
@@ -7767,7 +7689,7 @@
                         </a:rPr>
                         <a:t>0.98</a:t>
                       </a:r>
-                      <a:endParaRPr lang="en-US" dirty="0">
+                      <a:endParaRPr lang="en-US" sz="1600" dirty="0">
                         <a:solidFill>
                           <a:schemeClr val="bg1">
                             <a:lumMod val="65000"/>
@@ -7787,10 +7709,10 @@
                     <a:p>
                       <a:pPr algn="ctr"/>
                       <a:r>
-                        <a:rPr lang="en-US" b="1" dirty="0" smtClean="0"/>
+                        <a:rPr lang="en-US" sz="1600" b="1" dirty="0" smtClean="0"/>
                         <a:t>SVC</a:t>
                       </a:r>
-                      <a:endParaRPr lang="en-US" b="1" dirty="0"/>
+                      <a:endParaRPr lang="en-US" sz="1600" b="1" dirty="0"/>
                     </a:p>
                   </a:txBody>
                   <a:tcPr anchor="ctr"/>
@@ -7802,11 +7724,11 @@
                     <a:p>
                       <a:pPr algn="ctr"/>
                       <a:r>
-                        <a:rPr lang="en-US" dirty="0" smtClean="0"/>
+                        <a:rPr lang="en-US" sz="1600" dirty="0" smtClean="0"/>
                         <a:t>97.4/</a:t>
                       </a:r>
                       <a:r>
-                        <a:rPr lang="en-US" dirty="0" smtClean="0">
+                        <a:rPr lang="en-US" sz="1600" dirty="0" smtClean="0">
                           <a:solidFill>
                             <a:schemeClr val="bg1">
                               <a:lumMod val="65000"/>
@@ -7815,7 +7737,7 @@
                         </a:rPr>
                         <a:t>96.5</a:t>
                       </a:r>
-                      <a:endParaRPr lang="en-US" dirty="0">
+                      <a:endParaRPr lang="en-US" sz="1600" dirty="0">
                         <a:solidFill>
                           <a:schemeClr val="bg1">
                             <a:lumMod val="65000"/>
@@ -7833,11 +7755,11 @@
                     <a:p>
                       <a:pPr algn="ctr"/>
                       <a:r>
-                        <a:rPr lang="en-US" dirty="0" smtClean="0"/>
+                        <a:rPr lang="en-US" sz="1600" dirty="0" smtClean="0"/>
                         <a:t>100/</a:t>
                       </a:r>
                       <a:r>
-                        <a:rPr lang="en-US" dirty="0" smtClean="0">
+                        <a:rPr lang="en-US" sz="1600" dirty="0" smtClean="0">
                           <a:solidFill>
                             <a:schemeClr val="bg1">
                               <a:lumMod val="65000"/>
@@ -7846,7 +7768,7 @@
                         </a:rPr>
                         <a:t>95.0</a:t>
                       </a:r>
-                      <a:endParaRPr lang="en-US" dirty="0">
+                      <a:endParaRPr lang="en-US" sz="1600" dirty="0">
                         <a:solidFill>
                           <a:schemeClr val="bg1">
                             <a:lumMod val="65000"/>
@@ -7864,11 +7786,49 @@
                     <a:p>
                       <a:pPr algn="ctr"/>
                       <a:r>
-                        <a:rPr lang="en-US" dirty="0" smtClean="0"/>
+                        <a:rPr lang="en-US" sz="1600" dirty="0" smtClean="0">
+                          <a:solidFill>
+                            <a:schemeClr val="tx1">
+                              <a:lumMod val="95000"/>
+                              <a:lumOff val="5000"/>
+                            </a:schemeClr>
+                          </a:solidFill>
+                        </a:rPr>
+                        <a:t>93.0/</a:t>
+                      </a:r>
+                      <a:r>
+                        <a:rPr lang="en-US" sz="1600" dirty="0" smtClean="0">
+                          <a:solidFill>
+                            <a:schemeClr val="bg1">
+                              <a:lumMod val="50000"/>
+                            </a:schemeClr>
+                          </a:solidFill>
+                        </a:rPr>
+                        <a:t>95.0</a:t>
+                      </a:r>
+                      <a:endParaRPr lang="en-US" sz="1600" dirty="0">
+                        <a:solidFill>
+                          <a:schemeClr val="bg1">
+                            <a:lumMod val="50000"/>
+                          </a:schemeClr>
+                        </a:solidFill>
+                      </a:endParaRPr>
+                    </a:p>
+                  </a:txBody>
+                  <a:tcPr anchor="ctr"/>
+                </a:tc>
+                <a:tc>
+                  <a:txBody>
+                    <a:bodyPr/>
+                    <a:lstStyle/>
+                    <a:p>
+                      <a:pPr algn="ctr"/>
+                      <a:r>
+                        <a:rPr lang="en-US" sz="1600" dirty="0" smtClean="0"/>
                         <a:t>0.99/</a:t>
                       </a:r>
                       <a:r>
-                        <a:rPr lang="en-US" dirty="0" smtClean="0">
+                        <a:rPr lang="en-US" sz="1600" dirty="0" smtClean="0">
                           <a:solidFill>
                             <a:schemeClr val="bg1">
                               <a:lumMod val="65000"/>
@@ -7877,7 +7837,7 @@
                         </a:rPr>
                         <a:t>0.99</a:t>
                       </a:r>
-                      <a:endParaRPr lang="en-US" dirty="0">
+                      <a:endParaRPr lang="en-US" sz="1600" dirty="0">
                         <a:solidFill>
                           <a:schemeClr val="bg1">
                             <a:lumMod val="65000"/>
@@ -7897,10 +7857,10 @@
                     <a:p>
                       <a:pPr algn="ctr"/>
                       <a:r>
-                        <a:rPr lang="en-US" b="1" dirty="0" smtClean="0"/>
+                        <a:rPr lang="en-US" sz="1600" b="1" dirty="0" smtClean="0"/>
                         <a:t>KNN</a:t>
                       </a:r>
-                      <a:endParaRPr lang="en-US" b="1" dirty="0"/>
+                      <a:endParaRPr lang="en-US" sz="1600" b="1" dirty="0"/>
                     </a:p>
                   </a:txBody>
                   <a:tcPr anchor="ctr"/>
@@ -7912,11 +7872,11 @@
                     <a:p>
                       <a:pPr algn="ctr"/>
                       <a:r>
-                        <a:rPr lang="en-US" dirty="0" smtClean="0"/>
+                        <a:rPr lang="en-US" sz="1600" dirty="0" smtClean="0"/>
                         <a:t>96.5/</a:t>
                       </a:r>
                       <a:r>
-                        <a:rPr lang="en-US" dirty="0" smtClean="0">
+                        <a:rPr lang="en-US" sz="1600" dirty="0" smtClean="0">
                           <a:solidFill>
                             <a:schemeClr val="bg1">
                               <a:lumMod val="65000"/>
@@ -7925,7 +7885,7 @@
                         </a:rPr>
                         <a:t>95.6</a:t>
                       </a:r>
-                      <a:endParaRPr lang="en-US" dirty="0">
+                      <a:endParaRPr lang="en-US" sz="1600" dirty="0">
                         <a:solidFill>
                           <a:schemeClr val="bg1">
                             <a:lumMod val="65000"/>
@@ -7943,11 +7903,11 @@
                     <a:p>
                       <a:pPr algn="ctr"/>
                       <a:r>
-                        <a:rPr lang="en-US" dirty="0" smtClean="0"/>
+                        <a:rPr lang="en-US" sz="1600" dirty="0" smtClean="0"/>
                         <a:t>100/</a:t>
                       </a:r>
                       <a:r>
-                        <a:rPr lang="en-US" dirty="0" smtClean="0">
+                        <a:rPr lang="en-US" sz="1600" dirty="0" smtClean="0">
                           <a:solidFill>
                             <a:schemeClr val="bg1">
                               <a:lumMod val="65000"/>
@@ -7956,7 +7916,7 @@
                         </a:rPr>
                         <a:t>97.3</a:t>
                       </a:r>
-                      <a:endParaRPr lang="en-US" dirty="0">
+                      <a:endParaRPr lang="en-US" sz="1600" dirty="0">
                         <a:solidFill>
                           <a:schemeClr val="bg1">
                             <a:lumMod val="65000"/>
@@ -7974,11 +7934,49 @@
                     <a:p>
                       <a:pPr algn="ctr"/>
                       <a:r>
-                        <a:rPr lang="en-US" dirty="0" smtClean="0"/>
+                        <a:rPr lang="en-US" sz="1600" dirty="0" smtClean="0">
+                          <a:solidFill>
+                            <a:schemeClr val="tx1">
+                              <a:lumMod val="95000"/>
+                              <a:lumOff val="5000"/>
+                            </a:schemeClr>
+                          </a:solidFill>
+                        </a:rPr>
+                        <a:t>90.1/</a:t>
+                      </a:r>
+                      <a:r>
+                        <a:rPr lang="en-US" sz="1600" dirty="0" smtClean="0">
+                          <a:solidFill>
+                            <a:schemeClr val="bg1">
+                              <a:lumMod val="50000"/>
+                            </a:schemeClr>
+                          </a:solidFill>
+                        </a:rPr>
+                        <a:t>90.0</a:t>
+                      </a:r>
+                      <a:endParaRPr lang="en-US" sz="1600" dirty="0">
+                        <a:solidFill>
+                          <a:schemeClr val="bg1">
+                            <a:lumMod val="50000"/>
+                          </a:schemeClr>
+                        </a:solidFill>
+                      </a:endParaRPr>
+                    </a:p>
+                  </a:txBody>
+                  <a:tcPr anchor="ctr"/>
+                </a:tc>
+                <a:tc>
+                  <a:txBody>
+                    <a:bodyPr/>
+                    <a:lstStyle/>
+                    <a:p>
+                      <a:pPr algn="ctr"/>
+                      <a:r>
+                        <a:rPr lang="en-US" sz="1600" dirty="0" smtClean="0"/>
                         <a:t>0.98/</a:t>
                       </a:r>
                       <a:r>
-                        <a:rPr lang="en-US" dirty="0" smtClean="0">
+                        <a:rPr lang="en-US" sz="1600" dirty="0" smtClean="0">
                           <a:solidFill>
                             <a:schemeClr val="bg1">
                               <a:lumMod val="65000"/>
@@ -7987,7 +7985,7 @@
                         </a:rPr>
                         <a:t>0.99</a:t>
                       </a:r>
-                      <a:endParaRPr lang="en-US" dirty="0">
+                      <a:endParaRPr lang="en-US" sz="1600" dirty="0">
                         <a:solidFill>
                           <a:schemeClr val="bg1">
                             <a:lumMod val="65000"/>
@@ -8146,11 +8144,23 @@
           <a:p>
             <a:r>
               <a:rPr lang="en-US" sz="2400" dirty="0" smtClean="0"/>
-              <a:t>⇒ </a:t>
-            </a:r>
-            <a:r>
-              <a:rPr lang="en-US" sz="2400" smtClean="0"/>
-              <a:t>logistic regression &amp; SVC with PCA seem to be the best model</a:t>
+              <a:t>⇒ logistic regression </a:t>
+            </a:r>
+            <a:r>
+              <a:rPr lang="en-US" sz="2400" dirty="0" smtClean="0"/>
+              <a:t>with </a:t>
+            </a:r>
+            <a:r>
+              <a:rPr lang="en-US" sz="2400" dirty="0" smtClean="0"/>
+              <a:t>PCA </a:t>
+            </a:r>
+            <a:r>
+              <a:rPr lang="en-US" sz="2400" dirty="0" smtClean="0"/>
+              <a:t>seems </a:t>
+            </a:r>
+            <a:r>
+              <a:rPr lang="en-US" sz="2400" dirty="0" smtClean="0"/>
+              <a:t>to be the best model</a:t>
             </a:r>
             <a:endParaRPr lang="en-US" sz="2400" dirty="0"/>
           </a:p>
@@ -8351,11 +8361,7 @@
             </a:r>
             <a:r>
               <a:rPr lang="en-US" sz="2400" dirty="0" smtClean="0"/>
-              <a:t>orrelation between variables &amp; </a:t>
-            </a:r>
-            <a:r>
-              <a:rPr lang="en-US" sz="2400" dirty="0" smtClean="0"/>
-              <a:t>PCs</a:t>
+              <a:t>orrelation between variables &amp; PCs</a:t>
             </a:r>
           </a:p>
           <a:p>
@@ -8363,7 +8369,6 @@
               <a:rPr lang="en-US" sz="2400" dirty="0" smtClean="0"/>
               <a:t>Other models: ex) naïve Bayes classifier, neural networks</a:t>
             </a:r>
-            <a:endParaRPr lang="en-US" sz="2400" dirty="0" smtClean="0"/>
           </a:p>
         </p:txBody>
       </p:sp>
@@ -10291,7 +10296,56 @@
             </a:pPr>
             <a:r>
               <a:rPr lang="en-US" dirty="0" smtClean="0"/>
-              <a:t>AUC: </a:t>
+              <a:t>Recall: </a:t>
+            </a:r>
+            <a:r>
+              <a:rPr lang="en-US" dirty="0" smtClean="0">
+                <a:solidFill>
+                  <a:srgbClr val="C00000"/>
+                </a:solidFill>
+              </a:rPr>
+              <a:t>83.7%</a:t>
+            </a:r>
+            <a:r>
+              <a:rPr lang="en-US" dirty="0" smtClean="0"/>
+              <a:t>/</a:t>
+            </a:r>
+            <a:r>
+              <a:rPr lang="en-US" dirty="0" smtClean="0">
+                <a:solidFill>
+                  <a:schemeClr val="accent1">
+                    <a:lumMod val="75000"/>
+                  </a:schemeClr>
+                </a:solidFill>
+              </a:rPr>
+              <a:t>95.3%</a:t>
+            </a:r>
+          </a:p>
+          <a:p>
+            <a:pPr marL="0" marR="0" lvl="0" indent="0" defTabSz="914400" eaLnBrk="1" fontAlgn="auto" latinLnBrk="0" hangingPunct="1">
+              <a:lnSpc>
+                <a:spcPct val="100000"/>
+              </a:lnSpc>
+              <a:spcBef>
+                <a:spcPts val="0"/>
+              </a:spcBef>
+              <a:spcAft>
+                <a:spcPts val="0"/>
+              </a:spcAft>
+              <a:buClrTx/>
+              <a:buSzTx/>
+              <a:buFontTx/>
+              <a:buNone/>
+              <a:tabLst/>
+              <a:defRPr/>
+            </a:pPr>
+            <a:r>
+              <a:rPr lang="en-US" dirty="0" smtClean="0"/>
+              <a:t>AUC</a:t>
+            </a:r>
+            <a:r>
+              <a:rPr lang="en-US" dirty="0" smtClean="0"/>
+              <a:t>: </a:t>
             </a:r>
             <a:r>
               <a:rPr lang="en-US" dirty="0" smtClean="0">
@@ -11066,7 +11120,7 @@
         </p:spPr>
         <p:txBody>
           <a:bodyPr>
-            <a:normAutofit/>
+            <a:normAutofit fontScale="92500" lnSpcReduction="10000"/>
           </a:bodyPr>
           <a:lstStyle/>
           <a:p>
@@ -11112,8 +11166,36 @@
             </a:pPr>
             <a:r>
               <a:rPr lang="en-US" sz="2400" dirty="0" smtClean="0"/>
-              <a:t>Precision: 95.1%</a:t>
-            </a:r>
+              <a:t>Precision: 95.1</a:t>
+            </a:r>
+            <a:r>
+              <a:rPr lang="en-US" sz="2400" dirty="0" smtClean="0"/>
+              <a:t>%</a:t>
+            </a:r>
+          </a:p>
+          <a:p>
+            <a:pPr marL="0" marR="0" lvl="0" indent="0" defTabSz="914400" eaLnBrk="1" fontAlgn="auto" latinLnBrk="0" hangingPunct="1">
+              <a:lnSpc>
+                <a:spcPct val="100000"/>
+              </a:lnSpc>
+              <a:spcBef>
+                <a:spcPts val="0"/>
+              </a:spcBef>
+              <a:spcAft>
+                <a:spcPts val="0"/>
+              </a:spcAft>
+              <a:buClrTx/>
+              <a:buSzTx/>
+              <a:buFontTx/>
+              <a:buNone/>
+              <a:tabLst/>
+              <a:defRPr/>
+            </a:pPr>
+            <a:r>
+              <a:rPr lang="en-US" sz="2400" dirty="0" smtClean="0"/>
+              <a:t>Recall: 90.7%</a:t>
+            </a:r>
+            <a:endParaRPr lang="en-US" sz="2400" dirty="0" smtClean="0"/>
           </a:p>
           <a:p>
             <a:pPr marL="0" marR="0" lvl="0" indent="0" defTabSz="914400" eaLnBrk="1" fontAlgn="auto" latinLnBrk="0" hangingPunct="1">

--- a/Team7.pptx
+++ b/Team7.pptx
@@ -635,19 +635,7 @@
                 <a:ea typeface="+mn-ea"/>
                 <a:cs typeface="+mn-cs"/>
               </a:rPr>
-              <a:t> </a:t>
-            </a:r>
-            <a:r>
-              <a:rPr lang="en-US" sz="1200" b="0" i="0" u="none" strike="noStrike" kern="1200" baseline="0" dirty="0" smtClean="0">
-                <a:solidFill>
-                  <a:schemeClr val="tx1"/>
-                </a:solidFill>
-                <a:effectLst/>
-                <a:latin typeface="+mn-lt"/>
-                <a:ea typeface="+mn-ea"/>
-                <a:cs typeface="+mn-cs"/>
-              </a:rPr>
-              <a:t>diagram: Only showing 2 PCs for </a:t>
+              <a:t> diagram: Only showing 2 PCs for </a:t>
             </a:r>
             <a:r>
               <a:rPr lang="en-US" sz="1200" b="0" i="0" u="none" strike="noStrike" kern="1200" baseline="0" dirty="0" err="1" smtClean="0">
@@ -1521,13 +1509,8 @@
             </a:pPr>
             <a:r>
               <a:rPr lang="en-US" dirty="0" smtClean="0"/>
-              <a:t>The simplest model for </a:t>
-            </a:r>
-            <a:r>
-              <a:rPr lang="en-US" dirty="0" smtClean="0"/>
-              <a:t>classification</a:t>
-            </a:r>
-            <a:endParaRPr lang="en-US" dirty="0" smtClean="0"/>
+              <a:t>The simplest model for classification</a:t>
+            </a:r>
           </a:p>
         </p:txBody>
       </p:sp>
@@ -6257,11 +6240,7 @@
             </a:pPr>
             <a:r>
               <a:rPr lang="en-US" sz="2400" dirty="0" smtClean="0"/>
-              <a:t>Precision: 100</a:t>
-            </a:r>
-            <a:r>
-              <a:rPr lang="en-US" sz="2400" dirty="0" smtClean="0"/>
-              <a:t>%</a:t>
+              <a:t>Precision: 100%</a:t>
             </a:r>
           </a:p>
           <a:p>
@@ -6279,7 +6258,6 @@
               <a:rPr lang="en-US" sz="2400" dirty="0" smtClean="0"/>
               <a:t>Recall: 93.0 %</a:t>
             </a:r>
-            <a:endParaRPr lang="en-US" sz="2400" dirty="0" smtClean="0"/>
           </a:p>
           <a:p>
             <a:pPr marL="0" indent="0">
@@ -6441,6 +6419,13 @@
   <p:clrMapOvr>
     <a:masterClrMapping/>
   </p:clrMapOvr>
+  <p:timing>
+    <p:tnLst>
+      <p:par>
+        <p:cTn id="1" dur="indefinite" restart="never" nodeType="tmRoot"/>
+      </p:par>
+    </p:tnLst>
+  </p:timing>
 </p:sld>
 </file>
 
@@ -6571,6 +6556,13 @@
   <p:clrMapOvr>
     <a:masterClrMapping/>
   </p:clrMapOvr>
+  <p:timing>
+    <p:tnLst>
+      <p:par>
+        <p:cTn id="1" dur="indefinite" restart="never" nodeType="tmRoot"/>
+      </p:par>
+    </p:tnLst>
+  </p:timing>
 </p:sld>
 </file>
 
@@ -6930,7 +6922,7 @@
         </p:nvGrpSpPr>
         <p:grpSpPr>
           <a:xfrm>
-            <a:off x="0" y="1082696"/>
+            <a:off x="0" y="1014964"/>
             <a:ext cx="7684681" cy="5129011"/>
             <a:chOff x="0" y="1371600"/>
             <a:chExt cx="7684681" cy="5129011"/>
@@ -7055,7 +7047,7 @@
         </p:nvSpPr>
         <p:spPr>
           <a:xfrm>
-            <a:off x="105392" y="5737266"/>
+            <a:off x="105392" y="5686467"/>
             <a:ext cx="3612587" cy="1301963"/>
           </a:xfrm>
           <a:prstGeom prst="rect">
@@ -7259,11 +7251,7 @@
             </a:pPr>
             <a:r>
               <a:rPr lang="en-US" sz="2400" dirty="0" smtClean="0"/>
-              <a:t>Precision: 100</a:t>
-            </a:r>
-            <a:r>
-              <a:rPr lang="en-US" sz="2400" dirty="0" smtClean="0"/>
-              <a:t>%</a:t>
+              <a:t>Precision: 100%</a:t>
             </a:r>
           </a:p>
           <a:p>
@@ -7281,7 +7269,6 @@
               <a:rPr lang="en-US" sz="2400" dirty="0" smtClean="0"/>
               <a:t>Recall: 90.1%</a:t>
             </a:r>
-            <a:endParaRPr lang="en-US" sz="2400" dirty="0" smtClean="0"/>
           </a:p>
           <a:p>
             <a:pPr marL="0" indent="0">
@@ -7312,6 +7299,13 @@
   <p:clrMapOvr>
     <a:masterClrMapping/>
   </p:clrMapOvr>
+  <p:timing>
+    <p:tnLst>
+      <p:par>
+        <p:cTn id="1" dur="indefinite" restart="never" nodeType="tmRoot"/>
+      </p:par>
+    </p:tnLst>
+  </p:timing>
 </p:sld>
 </file>
 
@@ -7369,14 +7363,14 @@
           <p:nvPr>
             <p:extLst>
               <p:ext uri="{D42A27DB-BD31-4B8C-83A1-F6EECF244321}">
-                <p14:modId xmlns:p14="http://schemas.microsoft.com/office/powerpoint/2010/main" val="1646227100"/>
+                <p14:modId xmlns:p14="http://schemas.microsoft.com/office/powerpoint/2010/main" val="987720835"/>
               </p:ext>
             </p:extLst>
           </p:nvPr>
         </p:nvGraphicFramePr>
         <p:xfrm>
-          <a:off x="2" y="1914027"/>
-          <a:ext cx="5640941" cy="2895600"/>
+          <a:off x="196056" y="1914027"/>
+          <a:ext cx="5766620" cy="2643928"/>
         </p:xfrm>
         <a:graphic>
           <a:graphicData uri="http://schemas.openxmlformats.org/drawingml/2006/table">
@@ -7385,11 +7379,11 @@
                 <a:tableStyleId>{5940675A-B579-460E-94D1-54222C63F5DA}</a:tableStyleId>
               </a:tblPr>
               <a:tblGrid>
-                <a:gridCol w="1128188"/>
-                <a:gridCol w="1128188"/>
-                <a:gridCol w="1128188"/>
-                <a:gridCol w="1295419"/>
-                <a:gridCol w="960958"/>
+                <a:gridCol w="1153324"/>
+                <a:gridCol w="1153324"/>
+                <a:gridCol w="1153324"/>
+                <a:gridCol w="1324280"/>
+                <a:gridCol w="982368"/>
               </a:tblGrid>
               <a:tr h="453284">
                 <a:tc>
@@ -8022,7 +8016,7 @@
         </p:blipFill>
         <p:spPr>
           <a:xfrm>
-            <a:off x="6043613" y="1042988"/>
+            <a:off x="6399211" y="1042988"/>
             <a:ext cx="5401156" cy="5172075"/>
           </a:xfrm>
           <a:prstGeom prst="rect">
@@ -8038,7 +8032,7 @@
         </p:nvSpPr>
         <p:spPr>
           <a:xfrm>
-            <a:off x="8744191" y="6215063"/>
+            <a:off x="9065923" y="6215063"/>
             <a:ext cx="928688" cy="369332"/>
           </a:xfrm>
           <a:prstGeom prst="rect">
@@ -8053,10 +8047,10 @@
           <a:lstStyle/>
           <a:p>
             <a:r>
-              <a:rPr lang="en-US" b="1" smtClean="0"/>
+              <a:rPr lang="en-US" b="1" dirty="0" smtClean="0"/>
               <a:t>FPR</a:t>
             </a:r>
-            <a:endParaRPr lang="en-US" b="1"/>
+            <a:endParaRPr lang="en-US" b="1" dirty="0"/>
           </a:p>
         </p:txBody>
       </p:sp>
@@ -8068,7 +8062,7 @@
         </p:nvSpPr>
         <p:spPr>
           <a:xfrm rot="16200000">
-            <a:off x="5361265" y="3303865"/>
+            <a:off x="5767662" y="3219200"/>
             <a:ext cx="928688" cy="369332"/>
           </a:xfrm>
           <a:prstGeom prst="rect">
@@ -8098,7 +8092,7 @@
         </p:nvSpPr>
         <p:spPr>
           <a:xfrm>
-            <a:off x="8525116" y="673656"/>
+            <a:off x="8846848" y="673656"/>
             <a:ext cx="928688" cy="369332"/>
           </a:xfrm>
           <a:prstGeom prst="rect">
@@ -8144,23 +8138,7 @@
           <a:p>
             <a:r>
               <a:rPr lang="en-US" sz="2400" dirty="0" smtClean="0"/>
-              <a:t>⇒ logistic regression </a:t>
-            </a:r>
-            <a:r>
-              <a:rPr lang="en-US" sz="2400" dirty="0" smtClean="0"/>
-              <a:t>with </a:t>
-            </a:r>
-            <a:r>
-              <a:rPr lang="en-US" sz="2400" dirty="0" smtClean="0"/>
-              <a:t>PCA </a:t>
-            </a:r>
-            <a:r>
-              <a:rPr lang="en-US" sz="2400" dirty="0" smtClean="0"/>
-              <a:t>seems </a:t>
-            </a:r>
-            <a:r>
-              <a:rPr lang="en-US" sz="2400" dirty="0" smtClean="0"/>
-              <a:t>to be the best model</a:t>
+              <a:t>⇒ logistic regression with PCA seems to be the best model</a:t>
             </a:r>
             <a:endParaRPr lang="en-US" sz="2400" dirty="0"/>
           </a:p>
@@ -8273,6 +8251,13 @@
   <p:clrMapOvr>
     <a:masterClrMapping/>
   </p:clrMapOvr>
+  <p:timing>
+    <p:tnLst>
+      <p:par>
+        <p:cTn id="1" dur="indefinite" restart="never" nodeType="tmRoot"/>
+      </p:par>
+    </p:tnLst>
+  </p:timing>
 </p:sld>
 </file>
 
@@ -8565,8 +8550,16 @@
           </a:p>
           <a:p>
             <a:r>
+              <a:rPr lang="en-GB" sz="2400" dirty="0" smtClean="0"/>
+              <a:t>Imbalance</a:t>
+            </a:r>
+            <a:r>
               <a:rPr lang="en-US" sz="2400" dirty="0" smtClean="0"/>
-              <a:t>Bias in the data (62.7% B)</a:t>
+              <a:t> </a:t>
+            </a:r>
+            <a:r>
+              <a:rPr lang="en-US" sz="2400" dirty="0" smtClean="0"/>
+              <a:t>in the data (62.7% B)</a:t>
             </a:r>
           </a:p>
           <a:p>
@@ -8636,6 +8629,13 @@
   <p:clrMapOvr>
     <a:masterClrMapping/>
   </p:clrMapOvr>
+  <p:timing>
+    <p:tnLst>
+      <p:par>
+        <p:cTn id="1" dur="indefinite" restart="never" nodeType="tmRoot"/>
+      </p:par>
+    </p:tnLst>
+  </p:timing>
 </p:sld>
 </file>
 
@@ -8978,6 +8978,13 @@
   <p:clrMapOvr>
     <a:masterClrMapping/>
   </p:clrMapOvr>
+  <p:timing>
+    <p:tnLst>
+      <p:par>
+        <p:cTn id="1" dur="indefinite" restart="never" nodeType="tmRoot"/>
+      </p:par>
+    </p:tnLst>
+  </p:timing>
 </p:sld>
 </file>
 
@@ -10341,11 +10348,7 @@
             </a:pPr>
             <a:r>
               <a:rPr lang="en-US" dirty="0" smtClean="0"/>
-              <a:t>AUC</a:t>
-            </a:r>
-            <a:r>
-              <a:rPr lang="en-US" dirty="0" smtClean="0"/>
-              <a:t>: </a:t>
+              <a:t>AUC: </a:t>
             </a:r>
             <a:r>
               <a:rPr lang="en-US" dirty="0" smtClean="0">
@@ -11166,11 +11169,7 @@
             </a:pPr>
             <a:r>
               <a:rPr lang="en-US" sz="2400" dirty="0" smtClean="0"/>
-              <a:t>Precision: 95.1</a:t>
-            </a:r>
-            <a:r>
-              <a:rPr lang="en-US" sz="2400" dirty="0" smtClean="0"/>
-              <a:t>%</a:t>
+              <a:t>Precision: 95.1%</a:t>
             </a:r>
           </a:p>
           <a:p>
@@ -11195,7 +11194,6 @@
               <a:rPr lang="en-US" sz="2400" dirty="0" smtClean="0"/>
               <a:t>Recall: 90.7%</a:t>
             </a:r>
-            <a:endParaRPr lang="en-US" sz="2400" dirty="0" smtClean="0"/>
           </a:p>
           <a:p>
             <a:pPr marL="0" marR="0" lvl="0" indent="0" defTabSz="914400" eaLnBrk="1" fontAlgn="auto" latinLnBrk="0" hangingPunct="1">

--- a/Team7.pptx
+++ b/Team7.pptx
@@ -8551,7 +8551,11 @@
           <a:p>
             <a:r>
               <a:rPr lang="en-GB" sz="2400" dirty="0" smtClean="0"/>
-              <a:t>Imbalance</a:t>
+              <a:t>Class i</a:t>
+            </a:r>
+            <a:r>
+              <a:rPr lang="en-GB" sz="2400" dirty="0" smtClean="0"/>
+              <a:t>mbalance</a:t>
             </a:r>
             <a:r>
               <a:rPr lang="en-US" sz="2400" dirty="0" smtClean="0"/>
@@ -8559,8 +8563,13 @@
             </a:r>
             <a:r>
               <a:rPr lang="en-US" sz="2400" dirty="0" smtClean="0"/>
-              <a:t>in the data (62.7% B)</a:t>
-            </a:r>
+              <a:t>in the data (62.7% </a:t>
+            </a:r>
+            <a:r>
+              <a:rPr lang="en-US" sz="2400" dirty="0" smtClean="0"/>
+              <a:t>benign)</a:t>
+            </a:r>
+            <a:endParaRPr lang="en-US" sz="2400" dirty="0" smtClean="0"/>
           </a:p>
           <a:p>
             <a:r>
